--- a/ecdh.pptx
+++ b/ecdh.pptx
@@ -7,7 +7,10 @@
   <p:sldIdLst>
     <p:sldId id="256" r:id="rId2"/>
     <p:sldId id="257" r:id="rId3"/>
-    <p:sldId id="258" r:id="rId4"/>
+    <p:sldId id="259" r:id="rId4"/>
+    <p:sldId id="258" r:id="rId5"/>
+    <p:sldId id="261" r:id="rId6"/>
+    <p:sldId id="260" r:id="rId7"/>
   </p:sldIdLst>
   <p:sldSz cx="12192000" cy="6858000"/>
   <p:notesSz cx="6858000" cy="9144000"/>
@@ -3795,6 +3798,420 @@
 </file>
 
 <file path=ppt/slides/slide3.xml><?xml version="1.0" encoding="utf-8"?>
+<p:sld xmlns:a="http://schemas.openxmlformats.org/drawingml/2006/main" xmlns:r="http://schemas.openxmlformats.org/officeDocument/2006/relationships" xmlns:p="http://schemas.openxmlformats.org/presentationml/2006/main">
+  <p:cSld>
+    <p:spTree>
+      <p:nvGrpSpPr>
+        <p:cNvPr id="1" name=""/>
+        <p:cNvGrpSpPr/>
+        <p:nvPr/>
+      </p:nvGrpSpPr>
+      <p:grpSpPr>
+        <a:xfrm>
+          <a:off x="0" y="0"/>
+          <a:ext cx="0" cy="0"/>
+          <a:chOff x="0" y="0"/>
+          <a:chExt cx="0" cy="0"/>
+        </a:xfrm>
+      </p:grpSpPr>
+      <p:pic>
+        <p:nvPicPr>
+          <p:cNvPr id="3" name="Picture 2"/>
+          <p:cNvPicPr>
+            <a:picLocks noChangeAspect="1"/>
+          </p:cNvPicPr>
+          <p:nvPr/>
+        </p:nvPicPr>
+        <p:blipFill>
+          <a:blip r:embed="rId2"/>
+          <a:stretch>
+            <a:fillRect/>
+          </a:stretch>
+        </p:blipFill>
+        <p:spPr>
+          <a:xfrm>
+            <a:off x="1748980" y="1516570"/>
+            <a:ext cx="5895975" cy="1666875"/>
+          </a:xfrm>
+          <a:prstGeom prst="rect">
+            <a:avLst/>
+          </a:prstGeom>
+        </p:spPr>
+      </p:pic>
+      <p:pic>
+        <p:nvPicPr>
+          <p:cNvPr id="4" name="Picture 3"/>
+          <p:cNvPicPr>
+            <a:picLocks noChangeAspect="1"/>
+          </p:cNvPicPr>
+          <p:nvPr/>
+        </p:nvPicPr>
+        <p:blipFill>
+          <a:blip r:embed="rId3"/>
+          <a:stretch>
+            <a:fillRect/>
+          </a:stretch>
+        </p:blipFill>
+        <p:spPr>
+          <a:xfrm>
+            <a:off x="8820150" y="2002344"/>
+            <a:ext cx="485775" cy="695325"/>
+          </a:xfrm>
+          <a:prstGeom prst="rect">
+            <a:avLst/>
+          </a:prstGeom>
+        </p:spPr>
+      </p:pic>
+      <p:pic>
+        <p:nvPicPr>
+          <p:cNvPr id="6" name="Picture 5"/>
+          <p:cNvPicPr>
+            <a:picLocks noChangeAspect="1"/>
+          </p:cNvPicPr>
+          <p:nvPr/>
+        </p:nvPicPr>
+        <p:blipFill>
+          <a:blip r:embed="rId4"/>
+          <a:stretch>
+            <a:fillRect/>
+          </a:stretch>
+        </p:blipFill>
+        <p:spPr>
+          <a:xfrm>
+            <a:off x="8687371" y="3055428"/>
+            <a:ext cx="751332" cy="621792"/>
+          </a:xfrm>
+          <a:prstGeom prst="rect">
+            <a:avLst/>
+          </a:prstGeom>
+        </p:spPr>
+      </p:pic>
+      <p:sp>
+        <p:nvSpPr>
+          <p:cNvPr id="22" name="Rectangle 21"/>
+          <p:cNvSpPr/>
+          <p:nvPr/>
+        </p:nvSpPr>
+        <p:spPr>
+          <a:xfrm>
+            <a:off x="5221224" y="3212436"/>
+            <a:ext cx="2084832" cy="307777"/>
+          </a:xfrm>
+          <a:prstGeom prst="rect">
+            <a:avLst/>
+          </a:prstGeom>
+          <a:solidFill>
+            <a:schemeClr val="tx2">
+              <a:lumMod val="60000"/>
+              <a:lumOff val="40000"/>
+            </a:schemeClr>
+          </a:solidFill>
+        </p:spPr>
+        <p:txBody>
+          <a:bodyPr wrap="square">
+            <a:spAutoFit/>
+          </a:bodyPr>
+          <a:lstStyle/>
+          <a:p>
+            <a:r>
+              <a:rPr lang="en-US" sz="1400" dirty="0" smtClean="0"/>
+              <a:t>8.356395398662102e+41</a:t>
+            </a:r>
+            <a:endParaRPr lang="en-US" dirty="0"/>
+          </a:p>
+        </p:txBody>
+      </p:sp>
+      <p:sp>
+        <p:nvSpPr>
+          <p:cNvPr id="23" name="TextBox 22"/>
+          <p:cNvSpPr txBox="1"/>
+          <p:nvPr/>
+        </p:nvSpPr>
+        <p:spPr>
+          <a:xfrm>
+            <a:off x="8907874" y="4073544"/>
+            <a:ext cx="310325" cy="369332"/>
+          </a:xfrm>
+          <a:prstGeom prst="rect">
+            <a:avLst/>
+          </a:prstGeom>
+          <a:noFill/>
+        </p:spPr>
+        <p:txBody>
+          <a:bodyPr wrap="square" rtlCol="0">
+            <a:spAutoFit/>
+          </a:bodyPr>
+          <a:lstStyle/>
+          <a:p>
+            <a:r>
+              <a:rPr lang="en-US" dirty="0" smtClean="0"/>
+              <a:t>X</a:t>
+            </a:r>
+            <a:endParaRPr lang="en-US" dirty="0"/>
+          </a:p>
+        </p:txBody>
+      </p:sp>
+      <p:sp>
+        <p:nvSpPr>
+          <p:cNvPr id="24" name="TextBox 23"/>
+          <p:cNvSpPr txBox="1"/>
+          <p:nvPr/>
+        </p:nvSpPr>
+        <p:spPr>
+          <a:xfrm>
+            <a:off x="5221224" y="4104322"/>
+            <a:ext cx="1673352" cy="307777"/>
+          </a:xfrm>
+          <a:prstGeom prst="rect">
+            <a:avLst/>
+          </a:prstGeom>
+          <a:solidFill>
+            <a:schemeClr val="accent2"/>
+          </a:solidFill>
+        </p:spPr>
+        <p:txBody>
+          <a:bodyPr wrap="square" rtlCol="0">
+            <a:spAutoFit/>
+          </a:bodyPr>
+          <a:lstStyle/>
+          <a:p>
+            <a:r>
+              <a:rPr lang="en-US" sz="1400" dirty="0" smtClean="0"/>
+              <a:t>Curve Multiplication</a:t>
+            </a:r>
+            <a:endParaRPr lang="en-US" sz="1400" dirty="0"/>
+          </a:p>
+        </p:txBody>
+      </p:sp>
+    </p:spTree>
+    <p:extLst>
+      <p:ext uri="{BB962C8B-B14F-4D97-AF65-F5344CB8AC3E}">
+        <p14:creationId xmlns:p14="http://schemas.microsoft.com/office/powerpoint/2010/main" val="2763442210"/>
+      </p:ext>
+    </p:extLst>
+  </p:cSld>
+  <p:clrMapOvr>
+    <a:masterClrMapping/>
+  </p:clrMapOvr>
+  <p:timing>
+    <p:tnLst>
+      <p:par>
+        <p:cTn id="1" dur="indefinite" restart="never" nodeType="tmRoot">
+          <p:childTnLst>
+            <p:seq concurrent="1" nextAc="seek">
+              <p:cTn id="2" dur="indefinite" nodeType="mainSeq">
+                <p:childTnLst>
+                  <p:par>
+                    <p:cTn id="3" fill="hold">
+                      <p:stCondLst>
+                        <p:cond delay="indefinite"/>
+                      </p:stCondLst>
+                      <p:childTnLst>
+                        <p:par>
+                          <p:cTn id="4" fill="hold">
+                            <p:stCondLst>
+                              <p:cond delay="0"/>
+                            </p:stCondLst>
+                            <p:childTnLst>
+                              <p:par>
+                                <p:cTn id="5" presetID="1" presetClass="entr" presetSubtype="0" fill="hold" nodeType="clickEffect">
+                                  <p:stCondLst>
+                                    <p:cond delay="0"/>
+                                  </p:stCondLst>
+                                  <p:childTnLst>
+                                    <p:set>
+                                      <p:cBhvr>
+                                        <p:cTn id="6" dur="1" fill="hold">
+                                          <p:stCondLst>
+                                            <p:cond delay="0"/>
+                                          </p:stCondLst>
+                                        </p:cTn>
+                                        <p:tgtEl>
+                                          <p:spTgt spid="3"/>
+                                        </p:tgtEl>
+                                        <p:attrNameLst>
+                                          <p:attrName>style.visibility</p:attrName>
+                                        </p:attrNameLst>
+                                      </p:cBhvr>
+                                      <p:to>
+                                        <p:strVal val="visible"/>
+                                      </p:to>
+                                    </p:set>
+                                  </p:childTnLst>
+                                </p:cTn>
+                              </p:par>
+                              <p:par>
+                                <p:cTn id="7" presetID="1" presetClass="entr" presetSubtype="0" fill="hold" nodeType="withEffect">
+                                  <p:stCondLst>
+                                    <p:cond delay="0"/>
+                                  </p:stCondLst>
+                                  <p:childTnLst>
+                                    <p:set>
+                                      <p:cBhvr>
+                                        <p:cTn id="8" dur="1" fill="hold">
+                                          <p:stCondLst>
+                                            <p:cond delay="0"/>
+                                          </p:stCondLst>
+                                        </p:cTn>
+                                        <p:tgtEl>
+                                          <p:spTgt spid="4"/>
+                                        </p:tgtEl>
+                                        <p:attrNameLst>
+                                          <p:attrName>style.visibility</p:attrName>
+                                        </p:attrNameLst>
+                                      </p:cBhvr>
+                                      <p:to>
+                                        <p:strVal val="visible"/>
+                                      </p:to>
+                                    </p:set>
+                                  </p:childTnLst>
+                                </p:cTn>
+                              </p:par>
+                              <p:par>
+                                <p:cTn id="9" presetID="1" presetClass="entr" presetSubtype="0" fill="hold" nodeType="withEffect">
+                                  <p:stCondLst>
+                                    <p:cond delay="0"/>
+                                  </p:stCondLst>
+                                  <p:childTnLst>
+                                    <p:set>
+                                      <p:cBhvr>
+                                        <p:cTn id="10" dur="1" fill="hold">
+                                          <p:stCondLst>
+                                            <p:cond delay="0"/>
+                                          </p:stCondLst>
+                                        </p:cTn>
+                                        <p:tgtEl>
+                                          <p:spTgt spid="6"/>
+                                        </p:tgtEl>
+                                        <p:attrNameLst>
+                                          <p:attrName>style.visibility</p:attrName>
+                                        </p:attrNameLst>
+                                      </p:cBhvr>
+                                      <p:to>
+                                        <p:strVal val="visible"/>
+                                      </p:to>
+                                    </p:set>
+                                  </p:childTnLst>
+                                </p:cTn>
+                              </p:par>
+                              <p:par>
+                                <p:cTn id="11" presetID="1" presetClass="entr" presetSubtype="0" fill="hold" grpId="0" nodeType="withEffect">
+                                  <p:stCondLst>
+                                    <p:cond delay="0"/>
+                                  </p:stCondLst>
+                                  <p:childTnLst>
+                                    <p:set>
+                                      <p:cBhvr>
+                                        <p:cTn id="12" dur="1" fill="hold">
+                                          <p:stCondLst>
+                                            <p:cond delay="0"/>
+                                          </p:stCondLst>
+                                        </p:cTn>
+                                        <p:tgtEl>
+                                          <p:spTgt spid="22"/>
+                                        </p:tgtEl>
+                                        <p:attrNameLst>
+                                          <p:attrName>style.visibility</p:attrName>
+                                        </p:attrNameLst>
+                                      </p:cBhvr>
+                                      <p:to>
+                                        <p:strVal val="visible"/>
+                                      </p:to>
+                                    </p:set>
+                                  </p:childTnLst>
+                                </p:cTn>
+                              </p:par>
+                              <p:par>
+                                <p:cTn id="13" presetID="1" presetClass="entr" presetSubtype="0" fill="hold" grpId="0" nodeType="withEffect">
+                                  <p:stCondLst>
+                                    <p:cond delay="0"/>
+                                  </p:stCondLst>
+                                  <p:childTnLst>
+                                    <p:set>
+                                      <p:cBhvr>
+                                        <p:cTn id="14" dur="1" fill="hold">
+                                          <p:stCondLst>
+                                            <p:cond delay="0"/>
+                                          </p:stCondLst>
+                                        </p:cTn>
+                                        <p:tgtEl>
+                                          <p:spTgt spid="23"/>
+                                        </p:tgtEl>
+                                        <p:attrNameLst>
+                                          <p:attrName>style.visibility</p:attrName>
+                                        </p:attrNameLst>
+                                      </p:cBhvr>
+                                      <p:to>
+                                        <p:strVal val="visible"/>
+                                      </p:to>
+                                    </p:set>
+                                  </p:childTnLst>
+                                </p:cTn>
+                              </p:par>
+                              <p:par>
+                                <p:cTn id="15" presetID="1" presetClass="entr" presetSubtype="0" fill="hold" grpId="0" nodeType="withEffect">
+                                  <p:stCondLst>
+                                    <p:cond delay="0"/>
+                                  </p:stCondLst>
+                                  <p:childTnLst>
+                                    <p:set>
+                                      <p:cBhvr>
+                                        <p:cTn id="16" dur="1" fill="hold">
+                                          <p:stCondLst>
+                                            <p:cond delay="0"/>
+                                          </p:stCondLst>
+                                        </p:cTn>
+                                        <p:tgtEl>
+                                          <p:spTgt spid="24"/>
+                                        </p:tgtEl>
+                                        <p:attrNameLst>
+                                          <p:attrName>style.visibility</p:attrName>
+                                        </p:attrNameLst>
+                                      </p:cBhvr>
+                                      <p:to>
+                                        <p:strVal val="visible"/>
+                                      </p:to>
+                                    </p:set>
+                                  </p:childTnLst>
+                                </p:cTn>
+                              </p:par>
+                            </p:childTnLst>
+                          </p:cTn>
+                        </p:par>
+                      </p:childTnLst>
+                    </p:cTn>
+                  </p:par>
+                </p:childTnLst>
+              </p:cTn>
+              <p:prevCondLst>
+                <p:cond evt="onPrev" delay="0">
+                  <p:tgtEl>
+                    <p:sldTgt/>
+                  </p:tgtEl>
+                </p:cond>
+              </p:prevCondLst>
+              <p:nextCondLst>
+                <p:cond evt="onNext" delay="0">
+                  <p:tgtEl>
+                    <p:sldTgt/>
+                  </p:tgtEl>
+                </p:cond>
+              </p:nextCondLst>
+            </p:seq>
+          </p:childTnLst>
+        </p:cTn>
+      </p:par>
+    </p:tnLst>
+    <p:bldLst>
+      <p:bldP spid="22" grpId="0" animBg="1"/>
+      <p:bldP spid="23" grpId="0"/>
+      <p:bldP spid="24" grpId="0" animBg="1"/>
+    </p:bldLst>
+  </p:timing>
+</p:sld>
+</file>
+
+<file path=ppt/slides/slide4.xml><?xml version="1.0" encoding="utf-8"?>
 <p:sld xmlns:a="http://schemas.openxmlformats.org/drawingml/2006/main" xmlns:r="http://schemas.openxmlformats.org/officeDocument/2006/relationships" xmlns:p="http://schemas.openxmlformats.org/presentationml/2006/main">
   <p:cSld>
     <p:spTree>
@@ -4944,6 +5361,1402 @@
 </p:sld>
 </file>
 
+<file path=ppt/slides/slide5.xml><?xml version="1.0" encoding="utf-8"?>
+<p:sld xmlns:a="http://schemas.openxmlformats.org/drawingml/2006/main" xmlns:r="http://schemas.openxmlformats.org/officeDocument/2006/relationships" xmlns:p="http://schemas.openxmlformats.org/presentationml/2006/main">
+  <p:cSld>
+    <p:spTree>
+      <p:nvGrpSpPr>
+        <p:cNvPr id="1" name=""/>
+        <p:cNvGrpSpPr/>
+        <p:nvPr/>
+      </p:nvGrpSpPr>
+      <p:grpSpPr>
+        <a:xfrm>
+          <a:off x="0" y="0"/>
+          <a:ext cx="0" cy="0"/>
+          <a:chOff x="0" y="0"/>
+          <a:chExt cx="0" cy="0"/>
+        </a:xfrm>
+      </p:grpSpPr>
+      <p:pic>
+        <p:nvPicPr>
+          <p:cNvPr id="2" name="Picture 1"/>
+          <p:cNvPicPr>
+            <a:picLocks noChangeAspect="1"/>
+          </p:cNvPicPr>
+          <p:nvPr/>
+        </p:nvPicPr>
+        <p:blipFill>
+          <a:blip r:embed="rId2" cstate="print">
+            <a:extLst>
+              <a:ext uri="{28A0092B-C50C-407E-A947-70E740481C1C}">
+                <a14:useLocalDpi xmlns:a14="http://schemas.microsoft.com/office/drawing/2010/main" val="0"/>
+              </a:ext>
+            </a:extLst>
+          </a:blip>
+          <a:stretch>
+            <a:fillRect/>
+          </a:stretch>
+        </p:blipFill>
+        <p:spPr>
+          <a:xfrm>
+            <a:off x="6507056" y="3109722"/>
+            <a:ext cx="946567" cy="781780"/>
+          </a:xfrm>
+          <a:prstGeom prst="rect">
+            <a:avLst/>
+          </a:prstGeom>
+          <a:solidFill>
+            <a:srgbClr val="FFFF00"/>
+          </a:solidFill>
+        </p:spPr>
+      </p:pic>
+      <p:pic>
+        <p:nvPicPr>
+          <p:cNvPr id="3" name="Picture 2"/>
+          <p:cNvPicPr>
+            <a:picLocks noChangeAspect="1"/>
+          </p:cNvPicPr>
+          <p:nvPr/>
+        </p:nvPicPr>
+        <p:blipFill>
+          <a:blip r:embed="rId3"/>
+          <a:stretch>
+            <a:fillRect/>
+          </a:stretch>
+        </p:blipFill>
+        <p:spPr>
+          <a:xfrm>
+            <a:off x="7585243" y="3406665"/>
+            <a:ext cx="371034" cy="563972"/>
+          </a:xfrm>
+          <a:prstGeom prst="rect">
+            <a:avLst/>
+          </a:prstGeom>
+        </p:spPr>
+      </p:pic>
+      <p:pic>
+        <p:nvPicPr>
+          <p:cNvPr id="4" name="Picture 3"/>
+          <p:cNvPicPr>
+            <a:picLocks noChangeAspect="1"/>
+          </p:cNvPicPr>
+          <p:nvPr/>
+        </p:nvPicPr>
+        <p:blipFill>
+          <a:blip r:embed="rId4"/>
+          <a:stretch>
+            <a:fillRect/>
+          </a:stretch>
+        </p:blipFill>
+        <p:spPr>
+          <a:xfrm>
+            <a:off x="8244318" y="3434200"/>
+            <a:ext cx="372428" cy="551193"/>
+          </a:xfrm>
+          <a:prstGeom prst="rect">
+            <a:avLst/>
+          </a:prstGeom>
+        </p:spPr>
+      </p:pic>
+      <p:pic>
+        <p:nvPicPr>
+          <p:cNvPr id="5" name="Picture 4"/>
+          <p:cNvPicPr>
+            <a:picLocks noChangeAspect="1"/>
+          </p:cNvPicPr>
+          <p:nvPr/>
+        </p:nvPicPr>
+        <p:blipFill>
+          <a:blip r:embed="rId5"/>
+          <a:stretch>
+            <a:fillRect/>
+          </a:stretch>
+        </p:blipFill>
+        <p:spPr>
+          <a:xfrm>
+            <a:off x="1492384" y="380809"/>
+            <a:ext cx="781050" cy="762000"/>
+          </a:xfrm>
+          <a:prstGeom prst="rect">
+            <a:avLst/>
+          </a:prstGeom>
+        </p:spPr>
+      </p:pic>
+      <p:pic>
+        <p:nvPicPr>
+          <p:cNvPr id="6" name="Picture 5"/>
+          <p:cNvPicPr>
+            <a:picLocks noChangeAspect="1"/>
+          </p:cNvPicPr>
+          <p:nvPr/>
+        </p:nvPicPr>
+        <p:blipFill>
+          <a:blip r:embed="rId6"/>
+          <a:stretch>
+            <a:fillRect/>
+          </a:stretch>
+        </p:blipFill>
+        <p:spPr>
+          <a:xfrm>
+            <a:off x="8095208" y="500004"/>
+            <a:ext cx="847725" cy="1095375"/>
+          </a:xfrm>
+          <a:prstGeom prst="rect">
+            <a:avLst/>
+          </a:prstGeom>
+        </p:spPr>
+      </p:pic>
+      <p:pic>
+        <p:nvPicPr>
+          <p:cNvPr id="7" name="Picture 6"/>
+          <p:cNvPicPr>
+            <a:picLocks noChangeAspect="1"/>
+          </p:cNvPicPr>
+          <p:nvPr/>
+        </p:nvPicPr>
+        <p:blipFill>
+          <a:blip r:embed="rId7"/>
+          <a:stretch>
+            <a:fillRect/>
+          </a:stretch>
+        </p:blipFill>
+        <p:spPr>
+          <a:xfrm>
+            <a:off x="3786110" y="214122"/>
+            <a:ext cx="1162050" cy="1200150"/>
+          </a:xfrm>
+          <a:prstGeom prst="rect">
+            <a:avLst/>
+          </a:prstGeom>
+        </p:spPr>
+      </p:pic>
+      <p:pic>
+        <p:nvPicPr>
+          <p:cNvPr id="8" name="Picture 7"/>
+          <p:cNvPicPr>
+            <a:picLocks noChangeAspect="1"/>
+          </p:cNvPicPr>
+          <p:nvPr/>
+        </p:nvPicPr>
+        <p:blipFill>
+          <a:blip r:embed="rId7"/>
+          <a:stretch>
+            <a:fillRect/>
+          </a:stretch>
+        </p:blipFill>
+        <p:spPr>
+          <a:xfrm>
+            <a:off x="6040190" y="542734"/>
+            <a:ext cx="1162050" cy="1200150"/>
+          </a:xfrm>
+          <a:prstGeom prst="rect">
+            <a:avLst/>
+          </a:prstGeom>
+        </p:spPr>
+      </p:pic>
+      <p:pic>
+        <p:nvPicPr>
+          <p:cNvPr id="9" name="Picture 8"/>
+          <p:cNvPicPr>
+            <a:picLocks noChangeAspect="1"/>
+          </p:cNvPicPr>
+          <p:nvPr/>
+        </p:nvPicPr>
+        <p:blipFill>
+          <a:blip r:embed="rId7"/>
+          <a:stretch>
+            <a:fillRect/>
+          </a:stretch>
+        </p:blipFill>
+        <p:spPr>
+          <a:xfrm>
+            <a:off x="5361039" y="2509647"/>
+            <a:ext cx="1162050" cy="1200150"/>
+          </a:xfrm>
+          <a:prstGeom prst="rect">
+            <a:avLst/>
+          </a:prstGeom>
+        </p:spPr>
+      </p:pic>
+      <p:pic>
+        <p:nvPicPr>
+          <p:cNvPr id="10" name="Picture 9"/>
+          <p:cNvPicPr>
+            <a:picLocks noChangeAspect="1"/>
+          </p:cNvPicPr>
+          <p:nvPr/>
+        </p:nvPicPr>
+        <p:blipFill>
+          <a:blip r:embed="rId7"/>
+          <a:stretch>
+            <a:fillRect/>
+          </a:stretch>
+        </p:blipFill>
+        <p:spPr>
+          <a:xfrm>
+            <a:off x="3193501" y="2390577"/>
+            <a:ext cx="1162050" cy="1200150"/>
+          </a:xfrm>
+          <a:prstGeom prst="rect">
+            <a:avLst/>
+          </a:prstGeom>
+        </p:spPr>
+      </p:pic>
+      <p:pic>
+        <p:nvPicPr>
+          <p:cNvPr id="11" name="Picture 10"/>
+          <p:cNvPicPr>
+            <a:picLocks noChangeAspect="1"/>
+          </p:cNvPicPr>
+          <p:nvPr/>
+        </p:nvPicPr>
+        <p:blipFill>
+          <a:blip r:embed="rId7"/>
+          <a:stretch>
+            <a:fillRect/>
+          </a:stretch>
+        </p:blipFill>
+        <p:spPr>
+          <a:xfrm>
+            <a:off x="4430678" y="1309497"/>
+            <a:ext cx="1162050" cy="1200150"/>
+          </a:xfrm>
+          <a:prstGeom prst="rect">
+            <a:avLst/>
+          </a:prstGeom>
+        </p:spPr>
+      </p:pic>
+      <p:sp>
+        <p:nvSpPr>
+          <p:cNvPr id="12" name="Rectangle 11"/>
+          <p:cNvSpPr/>
+          <p:nvPr/>
+        </p:nvSpPr>
+        <p:spPr>
+          <a:xfrm>
+            <a:off x="2174183" y="814197"/>
+            <a:ext cx="1764467" cy="182499"/>
+          </a:xfrm>
+          <a:prstGeom prst="rect">
+            <a:avLst/>
+          </a:prstGeom>
+          <a:solidFill>
+            <a:schemeClr val="accent3">
+              <a:alpha val="50000"/>
+            </a:schemeClr>
+          </a:solidFill>
+          <a:ln>
+            <a:noFill/>
+          </a:ln>
+        </p:spPr>
+        <p:style>
+          <a:lnRef idx="0">
+            <a:scrgbClr r="0" g="0" b="0"/>
+          </a:lnRef>
+          <a:fillRef idx="0">
+            <a:scrgbClr r="0" g="0" b="0"/>
+          </a:fillRef>
+          <a:effectRef idx="0">
+            <a:scrgbClr r="0" g="0" b="0"/>
+          </a:effectRef>
+          <a:fontRef idx="minor">
+            <a:schemeClr val="lt1"/>
+          </a:fontRef>
+        </p:style>
+        <p:txBody>
+          <a:bodyPr rtlCol="0" anchor="ctr"/>
+          <a:lstStyle/>
+          <a:p>
+            <a:pPr algn="ctr"/>
+            <a:endParaRPr lang="en-US"/>
+          </a:p>
+        </p:txBody>
+      </p:sp>
+      <p:sp>
+        <p:nvSpPr>
+          <p:cNvPr id="13" name="Rectangle 12"/>
+          <p:cNvSpPr/>
+          <p:nvPr/>
+        </p:nvSpPr>
+        <p:spPr>
+          <a:xfrm rot="5961675">
+            <a:off x="3139630" y="1834280"/>
+            <a:ext cx="1594151" cy="139612"/>
+          </a:xfrm>
+          <a:prstGeom prst="rect">
+            <a:avLst/>
+          </a:prstGeom>
+          <a:solidFill>
+            <a:schemeClr val="accent2"/>
+          </a:solidFill>
+        </p:spPr>
+        <p:style>
+          <a:lnRef idx="2">
+            <a:schemeClr val="accent1">
+              <a:shade val="50000"/>
+            </a:schemeClr>
+          </a:lnRef>
+          <a:fillRef idx="1">
+            <a:schemeClr val="accent1"/>
+          </a:fillRef>
+          <a:effectRef idx="0">
+            <a:schemeClr val="accent1"/>
+          </a:effectRef>
+          <a:fontRef idx="minor">
+            <a:schemeClr val="lt1"/>
+          </a:fontRef>
+        </p:style>
+        <p:txBody>
+          <a:bodyPr rtlCol="0" anchor="ctr"/>
+          <a:lstStyle/>
+          <a:p>
+            <a:pPr algn="ctr"/>
+            <a:endParaRPr lang="en-US"/>
+          </a:p>
+        </p:txBody>
+      </p:sp>
+      <p:sp>
+        <p:nvSpPr>
+          <p:cNvPr id="14" name="Rectangle 13"/>
+          <p:cNvSpPr/>
+          <p:nvPr/>
+        </p:nvSpPr>
+        <p:spPr>
+          <a:xfrm rot="11473940">
+            <a:off x="4755160" y="904558"/>
+            <a:ext cx="1478031" cy="125576"/>
+          </a:xfrm>
+          <a:prstGeom prst="rect">
+            <a:avLst/>
+          </a:prstGeom>
+          <a:solidFill>
+            <a:schemeClr val="accent5"/>
+          </a:solidFill>
+        </p:spPr>
+        <p:style>
+          <a:lnRef idx="2">
+            <a:schemeClr val="accent1">
+              <a:shade val="50000"/>
+            </a:schemeClr>
+          </a:lnRef>
+          <a:fillRef idx="1">
+            <a:schemeClr val="accent1"/>
+          </a:fillRef>
+          <a:effectRef idx="0">
+            <a:schemeClr val="accent1"/>
+          </a:effectRef>
+          <a:fontRef idx="minor">
+            <a:schemeClr val="lt1"/>
+          </a:fontRef>
+        </p:style>
+        <p:txBody>
+          <a:bodyPr rtlCol="0" anchor="ctr"/>
+          <a:lstStyle/>
+          <a:p>
+            <a:pPr algn="ctr"/>
+            <a:endParaRPr lang="en-US"/>
+          </a:p>
+        </p:txBody>
+      </p:sp>
+      <p:sp>
+        <p:nvSpPr>
+          <p:cNvPr id="15" name="Rectangle 14"/>
+          <p:cNvSpPr/>
+          <p:nvPr/>
+        </p:nvSpPr>
+        <p:spPr>
+          <a:xfrm rot="1858076">
+            <a:off x="4320042" y="2232517"/>
+            <a:ext cx="182860" cy="800175"/>
+          </a:xfrm>
+          <a:prstGeom prst="rect">
+            <a:avLst/>
+          </a:prstGeom>
+          <a:solidFill>
+            <a:srgbClr val="C00000">
+              <a:alpha val="50000"/>
+            </a:srgbClr>
+          </a:solidFill>
+          <a:ln>
+            <a:noFill/>
+          </a:ln>
+        </p:spPr>
+        <p:style>
+          <a:lnRef idx="0">
+            <a:scrgbClr r="0" g="0" b="0"/>
+          </a:lnRef>
+          <a:fillRef idx="0">
+            <a:scrgbClr r="0" g="0" b="0"/>
+          </a:fillRef>
+          <a:effectRef idx="0">
+            <a:scrgbClr r="0" g="0" b="0"/>
+          </a:effectRef>
+          <a:fontRef idx="minor">
+            <a:schemeClr val="lt1"/>
+          </a:fontRef>
+        </p:style>
+        <p:txBody>
+          <a:bodyPr rtlCol="0" anchor="ctr"/>
+          <a:lstStyle/>
+          <a:p>
+            <a:pPr algn="ctr"/>
+            <a:endParaRPr lang="en-US"/>
+          </a:p>
+        </p:txBody>
+      </p:sp>
+      <p:sp>
+        <p:nvSpPr>
+          <p:cNvPr id="16" name="Rectangle 15"/>
+          <p:cNvSpPr/>
+          <p:nvPr/>
+        </p:nvSpPr>
+        <p:spPr>
+          <a:xfrm rot="5400000">
+            <a:off x="4563516" y="1318247"/>
+            <a:ext cx="381080" cy="116636"/>
+          </a:xfrm>
+          <a:prstGeom prst="rect">
+            <a:avLst/>
+          </a:prstGeom>
+          <a:solidFill>
+            <a:srgbClr val="FF0000"/>
+          </a:solidFill>
+        </p:spPr>
+        <p:style>
+          <a:lnRef idx="2">
+            <a:schemeClr val="accent1">
+              <a:shade val="50000"/>
+            </a:schemeClr>
+          </a:lnRef>
+          <a:fillRef idx="1">
+            <a:schemeClr val="accent1"/>
+          </a:fillRef>
+          <a:effectRef idx="0">
+            <a:schemeClr val="accent1"/>
+          </a:effectRef>
+          <a:fontRef idx="minor">
+            <a:schemeClr val="lt1"/>
+          </a:fontRef>
+        </p:style>
+        <p:txBody>
+          <a:bodyPr rtlCol="0" anchor="ctr"/>
+          <a:lstStyle/>
+          <a:p>
+            <a:pPr algn="ctr"/>
+            <a:endParaRPr lang="en-US"/>
+          </a:p>
+        </p:txBody>
+      </p:sp>
+      <p:sp>
+        <p:nvSpPr>
+          <p:cNvPr id="17" name="Rectangle 16"/>
+          <p:cNvSpPr/>
+          <p:nvPr/>
+        </p:nvSpPr>
+        <p:spPr>
+          <a:xfrm rot="6243924">
+            <a:off x="5705379" y="2225191"/>
+            <a:ext cx="1356000" cy="73613"/>
+          </a:xfrm>
+          <a:prstGeom prst="rect">
+            <a:avLst/>
+          </a:prstGeom>
+          <a:solidFill>
+            <a:srgbClr val="FFFF00"/>
+          </a:solidFill>
+        </p:spPr>
+        <p:style>
+          <a:lnRef idx="2">
+            <a:schemeClr val="accent1">
+              <a:shade val="50000"/>
+            </a:schemeClr>
+          </a:lnRef>
+          <a:fillRef idx="1">
+            <a:schemeClr val="accent1"/>
+          </a:fillRef>
+          <a:effectRef idx="0">
+            <a:schemeClr val="accent1"/>
+          </a:effectRef>
+          <a:fontRef idx="minor">
+            <a:schemeClr val="lt1"/>
+          </a:fontRef>
+        </p:style>
+        <p:txBody>
+          <a:bodyPr rtlCol="0" anchor="ctr"/>
+          <a:lstStyle/>
+          <a:p>
+            <a:pPr algn="ctr"/>
+            <a:endParaRPr lang="en-US"/>
+          </a:p>
+        </p:txBody>
+      </p:sp>
+      <p:sp>
+        <p:nvSpPr>
+          <p:cNvPr id="18" name="Rectangle 17"/>
+          <p:cNvSpPr/>
+          <p:nvPr/>
+        </p:nvSpPr>
+        <p:spPr>
+          <a:xfrm>
+            <a:off x="7012506" y="1031691"/>
+            <a:ext cx="882234" cy="163859"/>
+          </a:xfrm>
+          <a:prstGeom prst="rect">
+            <a:avLst/>
+          </a:prstGeom>
+          <a:solidFill>
+            <a:schemeClr val="accent6">
+              <a:lumMod val="60000"/>
+              <a:lumOff val="40000"/>
+              <a:alpha val="50000"/>
+            </a:schemeClr>
+          </a:solidFill>
+          <a:ln>
+            <a:noFill/>
+          </a:ln>
+        </p:spPr>
+        <p:style>
+          <a:lnRef idx="0">
+            <a:scrgbClr r="0" g="0" b="0"/>
+          </a:lnRef>
+          <a:fillRef idx="0">
+            <a:scrgbClr r="0" g="0" b="0"/>
+          </a:fillRef>
+          <a:effectRef idx="0">
+            <a:scrgbClr r="0" g="0" b="0"/>
+          </a:effectRef>
+          <a:fontRef idx="minor">
+            <a:schemeClr val="lt1"/>
+          </a:fontRef>
+        </p:style>
+        <p:txBody>
+          <a:bodyPr rtlCol="0" anchor="ctr"/>
+          <a:lstStyle/>
+          <a:p>
+            <a:pPr algn="ctr"/>
+            <a:endParaRPr lang="en-US"/>
+          </a:p>
+        </p:txBody>
+      </p:sp>
+      <p:sp>
+        <p:nvSpPr>
+          <p:cNvPr id="19" name="Rectangle 18"/>
+          <p:cNvSpPr/>
+          <p:nvPr/>
+        </p:nvSpPr>
+        <p:spPr>
+          <a:xfrm>
+            <a:off x="4302889" y="3215783"/>
+            <a:ext cx="1230293" cy="182499"/>
+          </a:xfrm>
+          <a:prstGeom prst="rect">
+            <a:avLst/>
+          </a:prstGeom>
+          <a:solidFill>
+            <a:schemeClr val="accent4">
+              <a:lumMod val="75000"/>
+              <a:alpha val="50000"/>
+            </a:schemeClr>
+          </a:solidFill>
+          <a:ln>
+            <a:noFill/>
+          </a:ln>
+        </p:spPr>
+        <p:style>
+          <a:lnRef idx="0">
+            <a:scrgbClr r="0" g="0" b="0"/>
+          </a:lnRef>
+          <a:fillRef idx="0">
+            <a:scrgbClr r="0" g="0" b="0"/>
+          </a:fillRef>
+          <a:effectRef idx="0">
+            <a:scrgbClr r="0" g="0" b="0"/>
+          </a:effectRef>
+          <a:fontRef idx="minor">
+            <a:schemeClr val="lt1"/>
+          </a:fontRef>
+        </p:style>
+        <p:txBody>
+          <a:bodyPr rtlCol="0" anchor="ctr"/>
+          <a:lstStyle/>
+          <a:p>
+            <a:pPr algn="ctr"/>
+            <a:endParaRPr lang="en-US"/>
+          </a:p>
+        </p:txBody>
+      </p:sp>
+      <p:pic>
+        <p:nvPicPr>
+          <p:cNvPr id="20" name="Picture 19"/>
+          <p:cNvPicPr>
+            <a:picLocks noChangeAspect="1"/>
+          </p:cNvPicPr>
+          <p:nvPr/>
+        </p:nvPicPr>
+        <p:blipFill>
+          <a:blip r:embed="rId3"/>
+          <a:stretch>
+            <a:fillRect/>
+          </a:stretch>
+        </p:blipFill>
+        <p:spPr>
+          <a:xfrm>
+            <a:off x="4688467" y="4863233"/>
+            <a:ext cx="371034" cy="563972"/>
+          </a:xfrm>
+          <a:prstGeom prst="rect">
+            <a:avLst/>
+          </a:prstGeom>
+        </p:spPr>
+      </p:pic>
+      <p:pic>
+        <p:nvPicPr>
+          <p:cNvPr id="21" name="Picture 20"/>
+          <p:cNvPicPr>
+            <a:picLocks noChangeAspect="1"/>
+          </p:cNvPicPr>
+          <p:nvPr/>
+        </p:nvPicPr>
+        <p:blipFill>
+          <a:blip r:embed="rId4"/>
+          <a:stretch>
+            <a:fillRect/>
+          </a:stretch>
+        </p:blipFill>
+        <p:spPr>
+          <a:xfrm>
+            <a:off x="5347542" y="4890768"/>
+            <a:ext cx="372428" cy="551193"/>
+          </a:xfrm>
+          <a:prstGeom prst="rect">
+            <a:avLst/>
+          </a:prstGeom>
+        </p:spPr>
+      </p:pic>
+      <p:sp>
+        <p:nvSpPr>
+          <p:cNvPr id="22" name="TextBox 21"/>
+          <p:cNvSpPr txBox="1"/>
+          <p:nvPr/>
+        </p:nvSpPr>
+        <p:spPr>
+          <a:xfrm>
+            <a:off x="5071127" y="5175504"/>
+            <a:ext cx="228345" cy="369332"/>
+          </a:xfrm>
+          <a:prstGeom prst="rect">
+            <a:avLst/>
+          </a:prstGeom>
+          <a:noFill/>
+        </p:spPr>
+        <p:txBody>
+          <a:bodyPr wrap="square" rtlCol="0">
+            <a:spAutoFit/>
+          </a:bodyPr>
+          <a:lstStyle/>
+          <a:p>
+            <a:r>
+              <a:rPr lang="en-US" dirty="0" smtClean="0"/>
+              <a:t>X</a:t>
+            </a:r>
+            <a:endParaRPr lang="en-US" dirty="0"/>
+          </a:p>
+        </p:txBody>
+      </p:sp>
+      <p:sp>
+        <p:nvSpPr>
+          <p:cNvPr id="23" name="TextBox 22"/>
+          <p:cNvSpPr txBox="1"/>
+          <p:nvPr/>
+        </p:nvSpPr>
+        <p:spPr>
+          <a:xfrm>
+            <a:off x="4558754" y="5366870"/>
+            <a:ext cx="1481436" cy="369332"/>
+          </a:xfrm>
+          <a:prstGeom prst="rect">
+            <a:avLst/>
+          </a:prstGeom>
+          <a:noFill/>
+        </p:spPr>
+        <p:txBody>
+          <a:bodyPr wrap="square" rtlCol="0">
+            <a:spAutoFit/>
+          </a:bodyPr>
+          <a:lstStyle/>
+          <a:p>
+            <a:r>
+              <a:rPr lang="en-US" dirty="0" smtClean="0"/>
+              <a:t>__________</a:t>
+            </a:r>
+            <a:endParaRPr lang="en-US" dirty="0"/>
+          </a:p>
+        </p:txBody>
+      </p:sp>
+      <p:pic>
+        <p:nvPicPr>
+          <p:cNvPr id="24" name="Picture 23"/>
+          <p:cNvPicPr>
+            <a:picLocks noChangeAspect="1"/>
+          </p:cNvPicPr>
+          <p:nvPr/>
+        </p:nvPicPr>
+        <p:blipFill>
+          <a:blip r:embed="rId8"/>
+          <a:stretch>
+            <a:fillRect/>
+          </a:stretch>
+        </p:blipFill>
+        <p:spPr>
+          <a:xfrm>
+            <a:off x="4856608" y="5745727"/>
+            <a:ext cx="751332" cy="621792"/>
+          </a:xfrm>
+          <a:prstGeom prst="rect">
+            <a:avLst/>
+          </a:prstGeom>
+        </p:spPr>
+      </p:pic>
+      <p:pic>
+        <p:nvPicPr>
+          <p:cNvPr id="25" name="Picture 24"/>
+          <p:cNvPicPr>
+            <a:picLocks noChangeAspect="1"/>
+          </p:cNvPicPr>
+          <p:nvPr/>
+        </p:nvPicPr>
+        <p:blipFill>
+          <a:blip r:embed="rId9"/>
+          <a:stretch>
+            <a:fillRect/>
+          </a:stretch>
+        </p:blipFill>
+        <p:spPr>
+          <a:xfrm>
+            <a:off x="6775137" y="5116211"/>
+            <a:ext cx="800100" cy="857250"/>
+          </a:xfrm>
+          <a:prstGeom prst="rect">
+            <a:avLst/>
+          </a:prstGeom>
+        </p:spPr>
+      </p:pic>
+      <p:sp>
+        <p:nvSpPr>
+          <p:cNvPr id="26" name="TextBox 25"/>
+          <p:cNvSpPr txBox="1"/>
+          <p:nvPr/>
+        </p:nvSpPr>
+        <p:spPr>
+          <a:xfrm>
+            <a:off x="6182902" y="5427205"/>
+            <a:ext cx="400954" cy="369332"/>
+          </a:xfrm>
+          <a:prstGeom prst="rect">
+            <a:avLst/>
+          </a:prstGeom>
+          <a:noFill/>
+        </p:spPr>
+        <p:txBody>
+          <a:bodyPr wrap="square" rtlCol="0">
+            <a:spAutoFit/>
+          </a:bodyPr>
+          <a:lstStyle/>
+          <a:p>
+            <a:r>
+              <a:rPr lang="en-US" dirty="0"/>
+              <a:t>=</a:t>
+            </a:r>
+          </a:p>
+        </p:txBody>
+      </p:sp>
+    </p:spTree>
+    <p:extLst>
+      <p:ext uri="{BB962C8B-B14F-4D97-AF65-F5344CB8AC3E}">
+        <p14:creationId xmlns:p14="http://schemas.microsoft.com/office/powerpoint/2010/main" val="2797779260"/>
+      </p:ext>
+    </p:extLst>
+  </p:cSld>
+  <p:clrMapOvr>
+    <a:masterClrMapping/>
+  </p:clrMapOvr>
+  <p:timing>
+    <p:tnLst>
+      <p:par>
+        <p:cTn id="1" dur="indefinite" restart="never" nodeType="tmRoot">
+          <p:childTnLst>
+            <p:seq concurrent="1" nextAc="seek">
+              <p:cTn id="2" dur="indefinite" nodeType="mainSeq">
+                <p:childTnLst>
+                  <p:par>
+                    <p:cTn id="3" fill="hold">
+                      <p:stCondLst>
+                        <p:cond delay="indefinite"/>
+                      </p:stCondLst>
+                      <p:childTnLst>
+                        <p:par>
+                          <p:cTn id="4" fill="hold">
+                            <p:stCondLst>
+                              <p:cond delay="0"/>
+                            </p:stCondLst>
+                            <p:childTnLst>
+                              <p:par>
+                                <p:cTn id="5" presetID="1" presetClass="entr" presetSubtype="0" fill="hold" nodeType="clickEffect">
+                                  <p:stCondLst>
+                                    <p:cond delay="0"/>
+                                  </p:stCondLst>
+                                  <p:childTnLst>
+                                    <p:set>
+                                      <p:cBhvr>
+                                        <p:cTn id="6" dur="1" fill="hold">
+                                          <p:stCondLst>
+                                            <p:cond delay="0"/>
+                                          </p:stCondLst>
+                                        </p:cTn>
+                                        <p:tgtEl>
+                                          <p:spTgt spid="3"/>
+                                        </p:tgtEl>
+                                        <p:attrNameLst>
+                                          <p:attrName>style.visibility</p:attrName>
+                                        </p:attrNameLst>
+                                      </p:cBhvr>
+                                      <p:to>
+                                        <p:strVal val="visible"/>
+                                      </p:to>
+                                    </p:set>
+                                  </p:childTnLst>
+                                </p:cTn>
+                              </p:par>
+                            </p:childTnLst>
+                          </p:cTn>
+                        </p:par>
+                      </p:childTnLst>
+                    </p:cTn>
+                  </p:par>
+                  <p:par>
+                    <p:cTn id="7" fill="hold">
+                      <p:stCondLst>
+                        <p:cond delay="indefinite"/>
+                      </p:stCondLst>
+                      <p:childTnLst>
+                        <p:par>
+                          <p:cTn id="8" fill="hold">
+                            <p:stCondLst>
+                              <p:cond delay="0"/>
+                            </p:stCondLst>
+                            <p:childTnLst>
+                              <p:par>
+                                <p:cTn id="9" presetID="1" presetClass="entr" presetSubtype="0" fill="hold" nodeType="clickEffect">
+                                  <p:stCondLst>
+                                    <p:cond delay="0"/>
+                                  </p:stCondLst>
+                                  <p:childTnLst>
+                                    <p:set>
+                                      <p:cBhvr>
+                                        <p:cTn id="10" dur="1" fill="hold">
+                                          <p:stCondLst>
+                                            <p:cond delay="0"/>
+                                          </p:stCondLst>
+                                        </p:cTn>
+                                        <p:tgtEl>
+                                          <p:spTgt spid="4"/>
+                                        </p:tgtEl>
+                                        <p:attrNameLst>
+                                          <p:attrName>style.visibility</p:attrName>
+                                        </p:attrNameLst>
+                                      </p:cBhvr>
+                                      <p:to>
+                                        <p:strVal val="visible"/>
+                                      </p:to>
+                                    </p:set>
+                                  </p:childTnLst>
+                                </p:cTn>
+                              </p:par>
+                            </p:childTnLst>
+                          </p:cTn>
+                        </p:par>
+                      </p:childTnLst>
+                    </p:cTn>
+                  </p:par>
+                  <p:par>
+                    <p:cTn id="11" fill="hold">
+                      <p:stCondLst>
+                        <p:cond delay="indefinite"/>
+                      </p:stCondLst>
+                      <p:childTnLst>
+                        <p:par>
+                          <p:cTn id="12" fill="hold">
+                            <p:stCondLst>
+                              <p:cond delay="0"/>
+                            </p:stCondLst>
+                            <p:childTnLst>
+                              <p:par>
+                                <p:cTn id="13" presetID="1" presetClass="entr" presetSubtype="0" fill="hold" nodeType="clickEffect">
+                                  <p:stCondLst>
+                                    <p:cond delay="0"/>
+                                  </p:stCondLst>
+                                  <p:childTnLst>
+                                    <p:set>
+                                      <p:cBhvr>
+                                        <p:cTn id="14" dur="1" fill="hold">
+                                          <p:stCondLst>
+                                            <p:cond delay="0"/>
+                                          </p:stCondLst>
+                                        </p:cTn>
+                                        <p:tgtEl>
+                                          <p:spTgt spid="5"/>
+                                        </p:tgtEl>
+                                        <p:attrNameLst>
+                                          <p:attrName>style.visibility</p:attrName>
+                                        </p:attrNameLst>
+                                      </p:cBhvr>
+                                      <p:to>
+                                        <p:strVal val="visible"/>
+                                      </p:to>
+                                    </p:set>
+                                  </p:childTnLst>
+                                </p:cTn>
+                              </p:par>
+                            </p:childTnLst>
+                          </p:cTn>
+                        </p:par>
+                      </p:childTnLst>
+                    </p:cTn>
+                  </p:par>
+                  <p:par>
+                    <p:cTn id="15" fill="hold">
+                      <p:stCondLst>
+                        <p:cond delay="indefinite"/>
+                      </p:stCondLst>
+                      <p:childTnLst>
+                        <p:par>
+                          <p:cTn id="16" fill="hold">
+                            <p:stCondLst>
+                              <p:cond delay="0"/>
+                            </p:stCondLst>
+                            <p:childTnLst>
+                              <p:par>
+                                <p:cTn id="17" presetID="1" presetClass="entr" presetSubtype="0" fill="hold" nodeType="clickEffect">
+                                  <p:stCondLst>
+                                    <p:cond delay="0"/>
+                                  </p:stCondLst>
+                                  <p:childTnLst>
+                                    <p:set>
+                                      <p:cBhvr>
+                                        <p:cTn id="18" dur="1" fill="hold">
+                                          <p:stCondLst>
+                                            <p:cond delay="0"/>
+                                          </p:stCondLst>
+                                        </p:cTn>
+                                        <p:tgtEl>
+                                          <p:spTgt spid="6"/>
+                                        </p:tgtEl>
+                                        <p:attrNameLst>
+                                          <p:attrName>style.visibility</p:attrName>
+                                        </p:attrNameLst>
+                                      </p:cBhvr>
+                                      <p:to>
+                                        <p:strVal val="visible"/>
+                                      </p:to>
+                                    </p:set>
+                                  </p:childTnLst>
+                                </p:cTn>
+                              </p:par>
+                            </p:childTnLst>
+                          </p:cTn>
+                        </p:par>
+                      </p:childTnLst>
+                    </p:cTn>
+                  </p:par>
+                  <p:par>
+                    <p:cTn id="19" fill="hold">
+                      <p:stCondLst>
+                        <p:cond delay="indefinite"/>
+                      </p:stCondLst>
+                      <p:childTnLst>
+                        <p:par>
+                          <p:cTn id="20" fill="hold">
+                            <p:stCondLst>
+                              <p:cond delay="0"/>
+                            </p:stCondLst>
+                            <p:childTnLst>
+                              <p:par>
+                                <p:cTn id="21" presetID="1" presetClass="entr" presetSubtype="0" fill="hold" nodeType="clickEffect">
+                                  <p:stCondLst>
+                                    <p:cond delay="0"/>
+                                  </p:stCondLst>
+                                  <p:childTnLst>
+                                    <p:set>
+                                      <p:cBhvr>
+                                        <p:cTn id="22" dur="1" fill="hold">
+                                          <p:stCondLst>
+                                            <p:cond delay="0"/>
+                                          </p:stCondLst>
+                                        </p:cTn>
+                                        <p:tgtEl>
+                                          <p:spTgt spid="20"/>
+                                        </p:tgtEl>
+                                        <p:attrNameLst>
+                                          <p:attrName>style.visibility</p:attrName>
+                                        </p:attrNameLst>
+                                      </p:cBhvr>
+                                      <p:to>
+                                        <p:strVal val="visible"/>
+                                      </p:to>
+                                    </p:set>
+                                  </p:childTnLst>
+                                </p:cTn>
+                              </p:par>
+                            </p:childTnLst>
+                          </p:cTn>
+                        </p:par>
+                      </p:childTnLst>
+                    </p:cTn>
+                  </p:par>
+                  <p:par>
+                    <p:cTn id="23" fill="hold">
+                      <p:stCondLst>
+                        <p:cond delay="indefinite"/>
+                      </p:stCondLst>
+                      <p:childTnLst>
+                        <p:par>
+                          <p:cTn id="24" fill="hold">
+                            <p:stCondLst>
+                              <p:cond delay="0"/>
+                            </p:stCondLst>
+                            <p:childTnLst>
+                              <p:par>
+                                <p:cTn id="25" presetID="1" presetClass="entr" presetSubtype="0" fill="hold" nodeType="clickEffect">
+                                  <p:stCondLst>
+                                    <p:cond delay="0"/>
+                                  </p:stCondLst>
+                                  <p:childTnLst>
+                                    <p:set>
+                                      <p:cBhvr>
+                                        <p:cTn id="26" dur="1" fill="hold">
+                                          <p:stCondLst>
+                                            <p:cond delay="0"/>
+                                          </p:stCondLst>
+                                        </p:cTn>
+                                        <p:tgtEl>
+                                          <p:spTgt spid="21"/>
+                                        </p:tgtEl>
+                                        <p:attrNameLst>
+                                          <p:attrName>style.visibility</p:attrName>
+                                        </p:attrNameLst>
+                                      </p:cBhvr>
+                                      <p:to>
+                                        <p:strVal val="visible"/>
+                                      </p:to>
+                                    </p:set>
+                                  </p:childTnLst>
+                                </p:cTn>
+                              </p:par>
+                              <p:par>
+                                <p:cTn id="27" presetID="1" presetClass="entr" presetSubtype="0" fill="hold" nodeType="withEffect">
+                                  <p:stCondLst>
+                                    <p:cond delay="0"/>
+                                  </p:stCondLst>
+                                  <p:childTnLst>
+                                    <p:set>
+                                      <p:cBhvr>
+                                        <p:cTn id="28" dur="1" fill="hold">
+                                          <p:stCondLst>
+                                            <p:cond delay="0"/>
+                                          </p:stCondLst>
+                                        </p:cTn>
+                                        <p:tgtEl>
+                                          <p:spTgt spid="24"/>
+                                        </p:tgtEl>
+                                        <p:attrNameLst>
+                                          <p:attrName>style.visibility</p:attrName>
+                                        </p:attrNameLst>
+                                      </p:cBhvr>
+                                      <p:to>
+                                        <p:strVal val="visible"/>
+                                      </p:to>
+                                    </p:set>
+                                  </p:childTnLst>
+                                </p:cTn>
+                              </p:par>
+                            </p:childTnLst>
+                          </p:cTn>
+                        </p:par>
+                      </p:childTnLst>
+                    </p:cTn>
+                  </p:par>
+                </p:childTnLst>
+              </p:cTn>
+              <p:prevCondLst>
+                <p:cond evt="onPrev" delay="0">
+                  <p:tgtEl>
+                    <p:sldTgt/>
+                  </p:tgtEl>
+                </p:cond>
+              </p:prevCondLst>
+              <p:nextCondLst>
+                <p:cond evt="onNext" delay="0">
+                  <p:tgtEl>
+                    <p:sldTgt/>
+                  </p:tgtEl>
+                </p:cond>
+              </p:nextCondLst>
+            </p:seq>
+          </p:childTnLst>
+        </p:cTn>
+      </p:par>
+    </p:tnLst>
+  </p:timing>
+</p:sld>
+</file>
+
+<file path=ppt/slides/slide6.xml><?xml version="1.0" encoding="utf-8"?>
+<p:sld xmlns:a="http://schemas.openxmlformats.org/drawingml/2006/main" xmlns:r="http://schemas.openxmlformats.org/officeDocument/2006/relationships" xmlns:p="http://schemas.openxmlformats.org/presentationml/2006/main">
+  <p:cSld>
+    <p:spTree>
+      <p:nvGrpSpPr>
+        <p:cNvPr id="1" name=""/>
+        <p:cNvGrpSpPr/>
+        <p:nvPr/>
+      </p:nvGrpSpPr>
+      <p:grpSpPr>
+        <a:xfrm>
+          <a:off x="0" y="0"/>
+          <a:ext cx="0" cy="0"/>
+          <a:chOff x="0" y="0"/>
+          <a:chExt cx="0" cy="0"/>
+        </a:xfrm>
+      </p:grpSpPr>
+      <p:pic>
+        <p:nvPicPr>
+          <p:cNvPr id="2" name="Picture 1"/>
+          <p:cNvPicPr>
+            <a:picLocks noChangeAspect="1"/>
+          </p:cNvPicPr>
+          <p:nvPr/>
+        </p:nvPicPr>
+        <p:blipFill>
+          <a:blip r:embed="rId2"/>
+          <a:stretch>
+            <a:fillRect/>
+          </a:stretch>
+        </p:blipFill>
+        <p:spPr>
+          <a:xfrm>
+            <a:off x="5195410" y="652876"/>
+            <a:ext cx="332536" cy="492153"/>
+          </a:xfrm>
+          <a:prstGeom prst="rect">
+            <a:avLst/>
+          </a:prstGeom>
+        </p:spPr>
+      </p:pic>
+      <p:pic>
+        <p:nvPicPr>
+          <p:cNvPr id="3" name="Picture 2"/>
+          <p:cNvPicPr>
+            <a:picLocks noChangeAspect="1"/>
+          </p:cNvPicPr>
+          <p:nvPr/>
+        </p:nvPicPr>
+        <p:blipFill>
+          <a:blip r:embed="rId3">
+            <a:extLst>
+              <a:ext uri="{28A0092B-C50C-407E-A947-70E740481C1C}">
+                <a14:useLocalDpi xmlns:a14="http://schemas.microsoft.com/office/drawing/2010/main" val="0"/>
+              </a:ext>
+            </a:extLst>
+          </a:blip>
+          <a:stretch>
+            <a:fillRect/>
+          </a:stretch>
+        </p:blipFill>
+        <p:spPr>
+          <a:xfrm>
+            <a:off x="2490410" y="1325880"/>
+            <a:ext cx="5940357" cy="4746002"/>
+          </a:xfrm>
+          <a:prstGeom prst="rect">
+            <a:avLst/>
+          </a:prstGeom>
+        </p:spPr>
+      </p:pic>
+      <p:sp>
+        <p:nvSpPr>
+          <p:cNvPr id="4" name="TextBox 3"/>
+          <p:cNvSpPr txBox="1"/>
+          <p:nvPr/>
+        </p:nvSpPr>
+        <p:spPr>
+          <a:xfrm>
+            <a:off x="4467242" y="173816"/>
+            <a:ext cx="2368296" cy="369332"/>
+          </a:xfrm>
+          <a:prstGeom prst="rect">
+            <a:avLst/>
+          </a:prstGeom>
+          <a:noFill/>
+        </p:spPr>
+        <p:txBody>
+          <a:bodyPr wrap="square" rtlCol="0">
+            <a:spAutoFit/>
+          </a:bodyPr>
+          <a:lstStyle/>
+          <a:p>
+            <a:r>
+              <a:rPr lang="en-US" dirty="0" smtClean="0"/>
+              <a:t>Public key generation</a:t>
+            </a:r>
+            <a:endParaRPr lang="en-US" dirty="0"/>
+          </a:p>
+        </p:txBody>
+      </p:sp>
+    </p:spTree>
+    <p:extLst>
+      <p:ext uri="{BB962C8B-B14F-4D97-AF65-F5344CB8AC3E}">
+        <p14:creationId xmlns:p14="http://schemas.microsoft.com/office/powerpoint/2010/main" val="971764802"/>
+      </p:ext>
+    </p:extLst>
+  </p:cSld>
+  <p:clrMapOvr>
+    <a:masterClrMapping/>
+  </p:clrMapOvr>
+  <p:timing>
+    <p:tnLst>
+      <p:par>
+        <p:cTn id="1" dur="indefinite" restart="never" nodeType="tmRoot">
+          <p:childTnLst>
+            <p:seq concurrent="1" nextAc="seek">
+              <p:cTn id="2" dur="indefinite" nodeType="mainSeq">
+                <p:childTnLst>
+                  <p:par>
+                    <p:cTn id="3" fill="hold">
+                      <p:stCondLst>
+                        <p:cond delay="indefinite"/>
+                      </p:stCondLst>
+                      <p:childTnLst>
+                        <p:par>
+                          <p:cTn id="4" fill="hold">
+                            <p:stCondLst>
+                              <p:cond delay="0"/>
+                            </p:stCondLst>
+                            <p:childTnLst>
+                              <p:par>
+                                <p:cTn id="5" presetID="1" presetClass="entr" presetSubtype="0" fill="hold" nodeType="clickEffect">
+                                  <p:stCondLst>
+                                    <p:cond delay="0"/>
+                                  </p:stCondLst>
+                                  <p:childTnLst>
+                                    <p:set>
+                                      <p:cBhvr>
+                                        <p:cTn id="6" dur="1" fill="hold">
+                                          <p:stCondLst>
+                                            <p:cond delay="0"/>
+                                          </p:stCondLst>
+                                        </p:cTn>
+                                        <p:tgtEl>
+                                          <p:spTgt spid="2"/>
+                                        </p:tgtEl>
+                                        <p:attrNameLst>
+                                          <p:attrName>style.visibility</p:attrName>
+                                        </p:attrNameLst>
+                                      </p:cBhvr>
+                                      <p:to>
+                                        <p:strVal val="visible"/>
+                                      </p:to>
+                                    </p:set>
+                                  </p:childTnLst>
+                                </p:cTn>
+                              </p:par>
+                              <p:par>
+                                <p:cTn id="7" presetID="1" presetClass="entr" presetSubtype="0" fill="hold" nodeType="withEffect">
+                                  <p:stCondLst>
+                                    <p:cond delay="0"/>
+                                  </p:stCondLst>
+                                  <p:childTnLst>
+                                    <p:set>
+                                      <p:cBhvr>
+                                        <p:cTn id="8" dur="1" fill="hold">
+                                          <p:stCondLst>
+                                            <p:cond delay="0"/>
+                                          </p:stCondLst>
+                                        </p:cTn>
+                                        <p:tgtEl>
+                                          <p:spTgt spid="3"/>
+                                        </p:tgtEl>
+                                        <p:attrNameLst>
+                                          <p:attrName>style.visibility</p:attrName>
+                                        </p:attrNameLst>
+                                      </p:cBhvr>
+                                      <p:to>
+                                        <p:strVal val="visible"/>
+                                      </p:to>
+                                    </p:set>
+                                  </p:childTnLst>
+                                </p:cTn>
+                              </p:par>
+                              <p:par>
+                                <p:cTn id="9" presetID="1" presetClass="entr" presetSubtype="0" fill="hold" grpId="0" nodeType="withEffect">
+                                  <p:stCondLst>
+                                    <p:cond delay="0"/>
+                                  </p:stCondLst>
+                                  <p:childTnLst>
+                                    <p:set>
+                                      <p:cBhvr>
+                                        <p:cTn id="10" dur="1" fill="hold">
+                                          <p:stCondLst>
+                                            <p:cond delay="0"/>
+                                          </p:stCondLst>
+                                        </p:cTn>
+                                        <p:tgtEl>
+                                          <p:spTgt spid="4"/>
+                                        </p:tgtEl>
+                                        <p:attrNameLst>
+                                          <p:attrName>style.visibility</p:attrName>
+                                        </p:attrNameLst>
+                                      </p:cBhvr>
+                                      <p:to>
+                                        <p:strVal val="visible"/>
+                                      </p:to>
+                                    </p:set>
+                                  </p:childTnLst>
+                                </p:cTn>
+                              </p:par>
+                            </p:childTnLst>
+                          </p:cTn>
+                        </p:par>
+                      </p:childTnLst>
+                    </p:cTn>
+                  </p:par>
+                </p:childTnLst>
+              </p:cTn>
+              <p:prevCondLst>
+                <p:cond evt="onPrev" delay="0">
+                  <p:tgtEl>
+                    <p:sldTgt/>
+                  </p:tgtEl>
+                </p:cond>
+              </p:prevCondLst>
+              <p:nextCondLst>
+                <p:cond evt="onNext" delay="0">
+                  <p:tgtEl>
+                    <p:sldTgt/>
+                  </p:tgtEl>
+                </p:cond>
+              </p:nextCondLst>
+            </p:seq>
+          </p:childTnLst>
+        </p:cTn>
+      </p:par>
+    </p:tnLst>
+    <p:bldLst>
+      <p:bldP spid="4" grpId="0"/>
+    </p:bldLst>
+  </p:timing>
+</p:sld>
+</file>
+
 <file path=ppt/theme/theme1.xml><?xml version="1.0" encoding="utf-8"?>
 <a:theme xmlns:a="http://schemas.openxmlformats.org/drawingml/2006/main" name="Office Theme">
   <a:themeElements>
